--- a/Introduction_TIPE_2019_2020.pptx
+++ b/Introduction_TIPE_2019_2020.pptx
@@ -1349,7 +1349,7 @@
             <a:fld id="{E494A05E-DEA9-4CEA-A63B-3593EEF3AC45}" type="datetimeFigureOut">
               <a:rPr lang="fr-FR" smtClean="0"/>
               <a:pPr/>
-              <a:t>19/09/2019</a:t>
+              <a:t>24/09/2019</a:t>
             </a:fld>
             <a:endParaRPr lang="fr-FR"/>
           </a:p>
@@ -2020,7 +2020,7 @@
             <a:fld id="{3A961F90-11F6-4966-B0E5-2BB20F714B78}" type="datetime1">
               <a:rPr lang="fr-FR" smtClean="0"/>
               <a:pPr/>
-              <a:t>19/09/2019</a:t>
+              <a:t>24/09/2019</a:t>
             </a:fld>
             <a:endParaRPr lang="fr-FR"/>
           </a:p>
@@ -2381,7 +2381,7 @@
             <a:fld id="{59700BD1-A4B5-444B-B773-B4FDD97DF200}" type="datetime1">
               <a:rPr lang="fr-FR" smtClean="0"/>
               <a:pPr/>
-              <a:t>19/09/2019</a:t>
+              <a:t>24/09/2019</a:t>
             </a:fld>
             <a:endParaRPr lang="fr-FR"/>
           </a:p>
@@ -2558,7 +2558,7 @@
             <a:fld id="{A354AF49-C35E-40F6-8345-CA866716EE79}" type="datetime1">
               <a:rPr lang="fr-FR" smtClean="0"/>
               <a:pPr/>
-              <a:t>19/09/2019</a:t>
+              <a:t>24/09/2019</a:t>
             </a:fld>
             <a:endParaRPr lang="fr-FR"/>
           </a:p>
@@ -2806,7 +2806,7 @@
             <a:fld id="{EAFEF7E1-4A71-4560-AA4D-33BBAAF32357}" type="datetime1">
               <a:rPr lang="fr-FR" smtClean="0"/>
               <a:pPr/>
-              <a:t>19/09/2019</a:t>
+              <a:t>24/09/2019</a:t>
             </a:fld>
             <a:endParaRPr lang="fr-FR"/>
           </a:p>
@@ -3077,7 +3077,7 @@
             <a:fld id="{9BE6CECE-C4BA-493A-9F45-8F69D8200EC9}" type="datetime1">
               <a:rPr lang="fr-FR" smtClean="0"/>
               <a:pPr/>
-              <a:t>19/09/2019</a:t>
+              <a:t>24/09/2019</a:t>
             </a:fld>
             <a:endParaRPr lang="fr-FR"/>
           </a:p>
@@ -3299,7 +3299,7 @@
             <a:fld id="{6B400324-51BB-4021-B482-6C084AB66459}" type="datetime1">
               <a:rPr lang="fr-FR" smtClean="0"/>
               <a:pPr/>
-              <a:t>19/09/2019</a:t>
+              <a:t>24/09/2019</a:t>
             </a:fld>
             <a:endParaRPr lang="fr-FR"/>
           </a:p>
@@ -3653,7 +3653,7 @@
             <a:fld id="{87C4A39B-E1E0-4B19-A965-1E1097FB3AF3}" type="datetime1">
               <a:rPr lang="fr-FR" smtClean="0"/>
               <a:pPr/>
-              <a:t>19/09/2019</a:t>
+              <a:t>24/09/2019</a:t>
             </a:fld>
             <a:endParaRPr lang="fr-FR"/>
           </a:p>
@@ -3887,7 +3887,7 @@
             <a:fld id="{CEF5A761-699F-4B94-BA43-1E8C0C9C554B}" type="datetime1">
               <a:rPr lang="fr-FR" smtClean="0"/>
               <a:pPr/>
-              <a:t>19/09/2019</a:t>
+              <a:t>24/09/2019</a:t>
             </a:fld>
             <a:endParaRPr lang="fr-FR"/>
           </a:p>
@@ -4029,7 +4029,7 @@
             <a:fld id="{E407DE65-0759-4C9C-9804-8C4C0AC5F8D7}" type="datetime1">
               <a:rPr lang="fr-FR" smtClean="0"/>
               <a:pPr/>
-              <a:t>19/09/2019</a:t>
+              <a:t>24/09/2019</a:t>
             </a:fld>
             <a:endParaRPr lang="fr-FR"/>
           </a:p>
@@ -4308,7 +4308,7 @@
             <a:fld id="{6DCAF433-E5EB-4B74-B8BB-3F6D9EEAE800}" type="datetime1">
               <a:rPr lang="fr-FR" smtClean="0"/>
               <a:pPr/>
-              <a:t>19/09/2019</a:t>
+              <a:t>24/09/2019</a:t>
             </a:fld>
             <a:endParaRPr lang="fr-FR"/>
           </a:p>
@@ -4717,7 +4717,7 @@
             <a:fld id="{E5AEAC06-18E9-471A-B77A-CDA5C363BF1F}" type="datetime1">
               <a:rPr lang="fr-FR" smtClean="0"/>
               <a:pPr/>
-              <a:t>19/09/2019</a:t>
+              <a:t>24/09/2019</a:t>
             </a:fld>
             <a:endParaRPr lang="fr-FR"/>
           </a:p>
@@ -5057,7 +5057,7 @@
             <a:fld id="{B9178431-C703-4FD6-9F6F-E8F5512852E2}" type="datetime1">
               <a:rPr lang="fr-FR" smtClean="0"/>
               <a:pPr/>
-              <a:t>19/09/2019</a:t>
+              <a:t>24/09/2019</a:t>
             </a:fld>
             <a:endParaRPr lang="fr-FR"/>
           </a:p>
@@ -6292,7 +6292,23 @@
             </a:r>
           </a:p>
           <a:p>
-            <a:pPr lvl="1"/>
+            <a:endParaRPr lang="fr-FR" b="1" dirty="0"/>
+          </a:p>
+          <a:p>
+            <a:r>
+              <a:rPr lang="fr-FR" b="1" dirty="0"/>
+              <a:t>On fait l’appel (pas d’absences non justifiées par mail)</a:t>
+            </a:r>
+          </a:p>
+          <a:p>
+            <a:r>
+              <a:rPr lang="fr-FR" b="1" dirty="0"/>
+              <a:t>DOT à remplir </a:t>
+            </a:r>
+            <a:r>
+              <a:rPr lang="fr-FR" b="1"/>
+              <a:t>(Google Drive)</a:t>
+            </a:r>
             <a:endParaRPr lang="fr-FR" b="1" dirty="0"/>
           </a:p>
         </p:txBody>
@@ -7483,8 +7499,8 @@
           </a:p>
         </p:txBody>
       </p:sp>
-      <mc:AlternateContent xmlns:mc="http://schemas.openxmlformats.org/markup-compatibility/2006">
-        <mc:Choice xmlns:a14="http://schemas.microsoft.com/office/drawing/2010/main" Requires="a14">
+      <mc:AlternateContent xmlns:mc="http://schemas.openxmlformats.org/markup-compatibility/2006" xmlns:a14="http://schemas.microsoft.com/office/drawing/2010/main">
+        <mc:Choice Requires="a14">
           <p:sp>
             <p:nvSpPr>
               <p:cNvPr id="4" name="Espace réservé du contenu 3"/>
@@ -7608,7 +7624,7 @@
             </p:txBody>
           </p:sp>
         </mc:Choice>
-        <mc:Fallback>
+        <mc:Fallback xmlns="">
           <p:sp>
             <p:nvSpPr>
               <p:cNvPr id="4" name="Espace réservé du contenu 3"/>
